--- a/translations/ru/lessons/HowtoUseRU.pptx
+++ b/translations/ru/lessons/HowtoUseRU.pptx
@@ -217,7 +217,7 @@
           <a:p>
             <a:fld id="{58040048-1E4D-CD41-AC49-0750EB72586B}" type="datetimeFigureOut">
               <a:rPr lang="en-US" smtClean="0"/>
-              <a:t>6/7/20</a:t>
+              <a:t>6/11/20</a:t>
             </a:fld>
             <a:endParaRPr lang="en-US"/>
           </a:p>
@@ -383,7 +383,7 @@
           <a:p>
             <a:fld id="{2B8484CF-5098-F24E-8881-583515D5C406}" type="datetimeFigureOut">
               <a:rPr lang="en-US" smtClean="0"/>
-              <a:t>6/7/20</a:t>
+              <a:t>6/11/20</a:t>
             </a:fld>
             <a:endParaRPr lang="en-US"/>
           </a:p>
@@ -5673,36 +5673,6 @@
           </a:p>
         </p:txBody>
       </p:sp>
-      <p:pic>
-        <p:nvPicPr>
-          <p:cNvPr id="3" name="Рисунок 2"/>
-          <p:cNvPicPr>
-            <a:picLocks noChangeAspect="1"/>
-          </p:cNvPicPr>
-          <p:nvPr/>
-        </p:nvPicPr>
-        <p:blipFill>
-          <a:blip r:embed="rId2">
-            <a:extLst>
-              <a:ext uri="{28A0092B-C50C-407E-A947-70E740481C1C}">
-                <a14:useLocalDpi xmlns:a14="http://schemas.microsoft.com/office/drawing/2010/main" val="0"/>
-              </a:ext>
-            </a:extLst>
-          </a:blip>
-          <a:stretch>
-            <a:fillRect/>
-          </a:stretch>
-        </p:blipFill>
-        <p:spPr>
-          <a:xfrm>
-            <a:off x="4143631" y="6355763"/>
-            <a:ext cx="2183027" cy="329637"/>
-          </a:xfrm>
-          <a:prstGeom prst="rect">
-            <a:avLst/>
-          </a:prstGeom>
-        </p:spPr>
-      </p:pic>
     </p:spTree>
     <p:extLst>
       <p:ext uri="{BB962C8B-B14F-4D97-AF65-F5344CB8AC3E}">
@@ -7985,7 +7955,7 @@
           <a:effectLst/>
           <a:extLst>
             <a:ext uri="{91240B29-F687-4f45-9708-019B960494DF}">
-              <a14:hiddenLine xmlns:a14="http://schemas.microsoft.com/office/drawing/2010/main" xmlns="" w="9525">
+              <a14:hiddenLine xmlns="" xmlns:a14="http://schemas.microsoft.com/office/drawing/2010/main" w="9525">
                 <a:solidFill>
                   <a:schemeClr val="tx1"/>
                 </a:solidFill>
@@ -7995,7 +7965,7 @@
               </a14:hiddenLine>
             </a:ext>
             <a:ext uri="{AF507438-7753-43e0-B8FC-AC1667EBCBE1}">
-              <a14:hiddenEffects xmlns:a14="http://schemas.microsoft.com/office/drawing/2010/main" xmlns="">
+              <a14:hiddenEffects xmlns="" xmlns:a14="http://schemas.microsoft.com/office/drawing/2010/main">
                 <a:effectLst>
                   <a:outerShdw dist="35921" dir="2700000" algn="ctr" rotWithShape="0">
                     <a:schemeClr val="bg2"/>
@@ -8336,7 +8306,7 @@
           <a:noFill/>
           <a:extLst>
             <a:ext uri="{909E8E84-426E-40dd-AFC4-6F175D3DCCD1}">
-              <a14:hiddenFill xmlns:a14="http://schemas.microsoft.com/office/drawing/2010/main" xmlns="">
+              <a14:hiddenFill xmlns="" xmlns:a14="http://schemas.microsoft.com/office/drawing/2010/main">
                 <a:solidFill>
                   <a:srgbClr val="FFFFFF"/>
                 </a:solidFill>
